--- a/151009ベクトルタイル利用サイトを作ろうPt.2.pptx
+++ b/151009ベクトルタイル利用サイトを作ろうPt.2.pptx
@@ -5,14 +5,21 @@
     <p:sldMasterId id="2147483663" r:id="rId1"/>
   </p:sldMasterIdLst>
   <p:notesMasterIdLst>
-    <p:notesMasterId r:id="rId4"/>
+    <p:notesMasterId r:id="rId11"/>
   </p:notesMasterIdLst>
   <p:handoutMasterIdLst>
-    <p:handoutMasterId r:id="rId5"/>
+    <p:handoutMasterId r:id="rId12"/>
   </p:handoutMasterIdLst>
   <p:sldIdLst>
     <p:sldId id="256" r:id="rId2"/>
     <p:sldId id="257" r:id="rId3"/>
+    <p:sldId id="259" r:id="rId4"/>
+    <p:sldId id="258" r:id="rId5"/>
+    <p:sldId id="260" r:id="rId6"/>
+    <p:sldId id="261" r:id="rId7"/>
+    <p:sldId id="262" r:id="rId8"/>
+    <p:sldId id="263" r:id="rId9"/>
+    <p:sldId id="264" r:id="rId10"/>
   </p:sldIdLst>
   <p:sldSz cx="9144000" cy="6858000" type="screen4x3"/>
   <p:notesSz cx="6805613" cy="9939338"/>
@@ -880,6 +887,96 @@
     </a:lvl9pPr>
   </p:notesStyle>
 </p:notesMaster>
+</file>
+
+<file path=ppt/notesSlides/notesSlide1.xml><?xml version="1.0" encoding="utf-8"?>
+<p:notes xmlns:a="http://schemas.openxmlformats.org/drawingml/2006/main" xmlns:r="http://schemas.openxmlformats.org/officeDocument/2006/relationships" xmlns:p="http://schemas.openxmlformats.org/presentationml/2006/main">
+  <p:cSld>
+    <p:spTree>
+      <p:nvGrpSpPr>
+        <p:cNvPr id="1" name=""/>
+        <p:cNvGrpSpPr/>
+        <p:nvPr/>
+      </p:nvGrpSpPr>
+      <p:grpSpPr>
+        <a:xfrm>
+          <a:off x="0" y="0"/>
+          <a:ext cx="0" cy="0"/>
+          <a:chOff x="0" y="0"/>
+          <a:chExt cx="0" cy="0"/>
+        </a:xfrm>
+      </p:grpSpPr>
+      <p:sp>
+        <p:nvSpPr>
+          <p:cNvPr id="2" name="スライド イメージ プレースホルダー 1"/>
+          <p:cNvSpPr>
+            <a:spLocks noGrp="1" noRot="1" noChangeAspect="1"/>
+          </p:cNvSpPr>
+          <p:nvPr>
+            <p:ph type="sldImg"/>
+          </p:nvPr>
+        </p:nvSpPr>
+        <p:spPr/>
+      </p:sp>
+      <p:sp>
+        <p:nvSpPr>
+          <p:cNvPr id="3" name="ノート プレースホルダー 2"/>
+          <p:cNvSpPr>
+            <a:spLocks noGrp="1"/>
+          </p:cNvSpPr>
+          <p:nvPr>
+            <p:ph type="body" idx="1"/>
+          </p:nvPr>
+        </p:nvSpPr>
+        <p:spPr/>
+        <p:txBody>
+          <a:bodyPr/>
+          <a:lstStyle/>
+          <a:p>
+            <a:endParaRPr kumimoji="1" lang="ja-JP" altLang="en-US" dirty="0"/>
+          </a:p>
+        </p:txBody>
+      </p:sp>
+      <p:sp>
+        <p:nvSpPr>
+          <p:cNvPr id="4" name="スライド番号プレースホルダー 3"/>
+          <p:cNvSpPr>
+            <a:spLocks noGrp="1"/>
+          </p:cNvSpPr>
+          <p:nvPr>
+            <p:ph type="sldNum" sz="quarter" idx="10"/>
+          </p:nvPr>
+        </p:nvSpPr>
+        <p:spPr/>
+        <p:txBody>
+          <a:bodyPr/>
+          <a:lstStyle/>
+          <a:p>
+            <a:pPr>
+              <a:defRPr/>
+            </a:pPr>
+            <a:fld id="{1B160D3F-EB0D-6C49-AB9C-78A7E3FCE5A1}" type="slidenum">
+              <a:rPr lang="en-US" altLang="ja-JP" smtClean="0"/>
+              <a:pPr>
+                <a:defRPr/>
+              </a:pPr>
+              <a:t>3</a:t>
+            </a:fld>
+            <a:endParaRPr lang="en-US" altLang="ja-JP"/>
+          </a:p>
+        </p:txBody>
+      </p:sp>
+    </p:spTree>
+    <p:extLst>
+      <p:ext uri="{BB962C8B-B14F-4D97-AF65-F5344CB8AC3E}">
+        <p14:creationId xmlns:p14="http://schemas.microsoft.com/office/powerpoint/2010/main" val="2401347007"/>
+      </p:ext>
+    </p:extLst>
+  </p:cSld>
+  <p:clrMapOvr>
+    <a:masterClrMapping/>
+  </p:clrMapOvr>
+</p:notes>
 </file>
 
 <file path=ppt/slideLayouts/slideLayout1.xml><?xml version="1.0" encoding="utf-8"?>
@@ -5810,6 +5907,2318 @@
       </p:par>
     </p:tnLst>
   </p:timing>
+</p:sld>
+</file>
+
+<file path=ppt/slides/slide3.xml><?xml version="1.0" encoding="utf-8"?>
+<p:sld xmlns:a="http://schemas.openxmlformats.org/drawingml/2006/main" xmlns:r="http://schemas.openxmlformats.org/officeDocument/2006/relationships" xmlns:p="http://schemas.openxmlformats.org/presentationml/2006/main">
+  <p:cSld>
+    <p:spTree>
+      <p:nvGrpSpPr>
+        <p:cNvPr id="1" name=""/>
+        <p:cNvGrpSpPr/>
+        <p:nvPr/>
+      </p:nvGrpSpPr>
+      <p:grpSpPr>
+        <a:xfrm>
+          <a:off x="0" y="0"/>
+          <a:ext cx="0" cy="0"/>
+          <a:chOff x="0" y="0"/>
+          <a:chExt cx="0" cy="0"/>
+        </a:xfrm>
+      </p:grpSpPr>
+      <p:sp>
+        <p:nvSpPr>
+          <p:cNvPr id="2" name="タイトル 1"/>
+          <p:cNvSpPr>
+            <a:spLocks noGrp="1"/>
+          </p:cNvSpPr>
+          <p:nvPr>
+            <p:ph type="title"/>
+          </p:nvPr>
+        </p:nvSpPr>
+        <p:spPr/>
+        <p:txBody>
+          <a:bodyPr/>
+          <a:lstStyle/>
+          <a:p>
+            <a:r>
+              <a:rPr kumimoji="1" lang="en-US" altLang="ja-JP" dirty="0" err="1" smtClean="0"/>
+              <a:t>GitHub</a:t>
+            </a:r>
+            <a:endParaRPr kumimoji="1" lang="ja-JP" altLang="en-US" dirty="0"/>
+          </a:p>
+        </p:txBody>
+      </p:sp>
+      <p:sp>
+        <p:nvSpPr>
+          <p:cNvPr id="3" name="コンテンツ プレースホルダー 2"/>
+          <p:cNvSpPr>
+            <a:spLocks noGrp="1"/>
+          </p:cNvSpPr>
+          <p:nvPr>
+            <p:ph idx="1"/>
+          </p:nvPr>
+        </p:nvSpPr>
+        <p:spPr>
+          <a:xfrm>
+            <a:off x="457200" y="692696"/>
+            <a:ext cx="8229600" cy="1872207"/>
+          </a:xfrm>
+        </p:spPr>
+        <p:txBody>
+          <a:bodyPr/>
+          <a:lstStyle/>
+          <a:p>
+            <a:pPr marL="0" indent="0">
+              <a:buNone/>
+            </a:pPr>
+            <a:r>
+              <a:rPr lang="en-US" altLang="ja-JP" dirty="0" smtClean="0">
+                <a:hlinkClick r:id="rId3"/>
+              </a:rPr>
+              <a:t>https://github.com/</a:t>
+            </a:r>
+            <a:endParaRPr lang="en-US" altLang="ja-JP" dirty="0" smtClean="0"/>
+          </a:p>
+          <a:p>
+            <a:pPr marL="0" indent="0">
+              <a:buNone/>
+            </a:pPr>
+            <a:r>
+              <a:rPr kumimoji="1" lang="ja-JP" altLang="en-US" dirty="0" smtClean="0"/>
+              <a:t>　・</a:t>
+            </a:r>
+            <a:r>
+              <a:rPr kumimoji="1" lang="en-US" altLang="ja-JP" dirty="0" smtClean="0"/>
+              <a:t> Sign in </a:t>
+            </a:r>
+            <a:r>
+              <a:rPr kumimoji="1" lang="ja-JP" altLang="en-US" dirty="0" smtClean="0"/>
+              <a:t>してください。</a:t>
+            </a:r>
+            <a:endParaRPr kumimoji="1" lang="en-US" altLang="ja-JP" dirty="0" smtClean="0"/>
+          </a:p>
+          <a:p>
+            <a:pPr marL="0" indent="0">
+              <a:buNone/>
+            </a:pPr>
+            <a:r>
+              <a:rPr lang="ja-JP" altLang="ja-JP" dirty="0"/>
+              <a:t>　</a:t>
+            </a:r>
+            <a:r>
+              <a:rPr lang="ja-JP" altLang="en-US" dirty="0" smtClean="0"/>
+              <a:t>・</a:t>
+            </a:r>
+            <a:r>
+              <a:rPr lang="en-US" altLang="ja-JP" dirty="0" smtClean="0"/>
+              <a:t> </a:t>
+            </a:r>
+            <a:r>
+              <a:rPr lang="ja-JP" altLang="en-US" dirty="0" smtClean="0"/>
+              <a:t>登録がまだの方は</a:t>
+            </a:r>
+            <a:r>
+              <a:rPr lang="en-US" altLang="ja-JP" dirty="0" smtClean="0"/>
+              <a:t> Sing up</a:t>
+            </a:r>
+            <a:endParaRPr kumimoji="1" lang="ja-JP" altLang="en-US" dirty="0"/>
+          </a:p>
+        </p:txBody>
+      </p:sp>
+      <p:sp>
+        <p:nvSpPr>
+          <p:cNvPr id="4" name="スライド番号プレースホルダー 3"/>
+          <p:cNvSpPr>
+            <a:spLocks noGrp="1"/>
+          </p:cNvSpPr>
+          <p:nvPr>
+            <p:ph type="sldNum" sz="quarter" idx="12"/>
+          </p:nvPr>
+        </p:nvSpPr>
+        <p:spPr/>
+        <p:txBody>
+          <a:bodyPr/>
+          <a:lstStyle/>
+          <a:p>
+            <a:pPr>
+              <a:defRPr/>
+            </a:pPr>
+            <a:fld id="{7BDE7F79-B788-EF47-92C0-E4468BC66B4F}" type="slidenum">
+              <a:rPr lang="en-US" altLang="ja-JP" smtClean="0"/>
+              <a:pPr>
+                <a:defRPr/>
+              </a:pPr>
+              <a:t>3</a:t>
+            </a:fld>
+            <a:endParaRPr lang="en-US" altLang="ja-JP"/>
+          </a:p>
+        </p:txBody>
+      </p:sp>
+      <p:pic>
+        <p:nvPicPr>
+          <p:cNvPr id="5" name="図 4"/>
+          <p:cNvPicPr>
+            <a:picLocks noChangeAspect="1"/>
+          </p:cNvPicPr>
+          <p:nvPr/>
+        </p:nvPicPr>
+        <p:blipFill>
+          <a:blip r:embed="rId4"/>
+          <a:stretch>
+            <a:fillRect/>
+          </a:stretch>
+        </p:blipFill>
+        <p:spPr>
+          <a:xfrm>
+            <a:off x="10255" y="2804840"/>
+            <a:ext cx="9144000" cy="4053160"/>
+          </a:xfrm>
+          <a:prstGeom prst="rect">
+            <a:avLst/>
+          </a:prstGeom>
+        </p:spPr>
+      </p:pic>
+      <p:cxnSp>
+        <p:nvCxnSpPr>
+          <p:cNvPr id="7" name="直線コネクタ 6"/>
+          <p:cNvCxnSpPr/>
+          <p:nvPr/>
+        </p:nvCxnSpPr>
+        <p:spPr>
+          <a:xfrm>
+            <a:off x="3059832" y="5661248"/>
+            <a:ext cx="2520280" cy="0"/>
+          </a:xfrm>
+          <a:prstGeom prst="line">
+            <a:avLst/>
+          </a:prstGeom>
+          <a:ln>
+            <a:solidFill>
+              <a:srgbClr val="FFFF00"/>
+            </a:solidFill>
+          </a:ln>
+          <a:effectLst/>
+        </p:spPr>
+        <p:style>
+          <a:lnRef idx="2">
+            <a:schemeClr val="accent1"/>
+          </a:lnRef>
+          <a:fillRef idx="0">
+            <a:schemeClr val="accent1"/>
+          </a:fillRef>
+          <a:effectRef idx="1">
+            <a:schemeClr val="accent1"/>
+          </a:effectRef>
+          <a:fontRef idx="minor">
+            <a:schemeClr val="tx1"/>
+          </a:fontRef>
+        </p:style>
+      </p:cxnSp>
+    </p:spTree>
+    <p:extLst>
+      <p:ext uri="{BB962C8B-B14F-4D97-AF65-F5344CB8AC3E}">
+        <p14:creationId xmlns:p14="http://schemas.microsoft.com/office/powerpoint/2010/main" val="3779836484"/>
+      </p:ext>
+    </p:extLst>
+  </p:cSld>
+  <p:clrMapOvr>
+    <a:masterClrMapping/>
+  </p:clrMapOvr>
+  <p:timing>
+    <p:tnLst>
+      <p:par>
+        <p:cTn xmlns:p14="http://schemas.microsoft.com/office/powerpoint/2010/main" id="1" dur="indefinite" restart="never" nodeType="tmRoot"/>
+      </p:par>
+    </p:tnLst>
+  </p:timing>
+</p:sld>
+</file>
+
+<file path=ppt/slides/slide4.xml><?xml version="1.0" encoding="utf-8"?>
+<p:sld xmlns:a="http://schemas.openxmlformats.org/drawingml/2006/main" xmlns:r="http://schemas.openxmlformats.org/officeDocument/2006/relationships" xmlns:p="http://schemas.openxmlformats.org/presentationml/2006/main">
+  <p:cSld>
+    <p:spTree>
+      <p:nvGrpSpPr>
+        <p:cNvPr id="1" name=""/>
+        <p:cNvGrpSpPr/>
+        <p:nvPr/>
+      </p:nvGrpSpPr>
+      <p:grpSpPr>
+        <a:xfrm>
+          <a:off x="0" y="0"/>
+          <a:ext cx="0" cy="0"/>
+          <a:chOff x="0" y="0"/>
+          <a:chExt cx="0" cy="0"/>
+        </a:xfrm>
+      </p:grpSpPr>
+      <p:sp>
+        <p:nvSpPr>
+          <p:cNvPr id="2" name="タイトル 1"/>
+          <p:cNvSpPr>
+            <a:spLocks noGrp="1"/>
+          </p:cNvSpPr>
+          <p:nvPr>
+            <p:ph type="title"/>
+          </p:nvPr>
+        </p:nvSpPr>
+        <p:spPr/>
+        <p:txBody>
+          <a:bodyPr/>
+          <a:lstStyle/>
+          <a:p>
+            <a:r>
+              <a:rPr kumimoji="1" lang="ja-JP" altLang="en-US" dirty="0" smtClean="0"/>
+              <a:t>地理院地図</a:t>
+            </a:r>
+            <a:r>
+              <a:rPr kumimoji="1" lang="en-US" altLang="ja-JP" dirty="0" smtClean="0"/>
+              <a:t>@</a:t>
+            </a:r>
+            <a:r>
+              <a:rPr kumimoji="1" lang="en-US" altLang="ja-JP" dirty="0" err="1" smtClean="0"/>
+              <a:t>GitHub</a:t>
+            </a:r>
+            <a:endParaRPr kumimoji="1" lang="ja-JP" altLang="en-US" dirty="0"/>
+          </a:p>
+        </p:txBody>
+      </p:sp>
+      <p:sp>
+        <p:nvSpPr>
+          <p:cNvPr id="3" name="コンテンツ プレースホルダー 2"/>
+          <p:cNvSpPr>
+            <a:spLocks noGrp="1"/>
+          </p:cNvSpPr>
+          <p:nvPr>
+            <p:ph idx="1"/>
+          </p:nvPr>
+        </p:nvSpPr>
+        <p:spPr>
+          <a:xfrm>
+            <a:off x="467544" y="692696"/>
+            <a:ext cx="8229600" cy="792088"/>
+          </a:xfrm>
+        </p:spPr>
+        <p:txBody>
+          <a:bodyPr/>
+          <a:lstStyle/>
+          <a:p>
+            <a:pPr marL="0" indent="0">
+              <a:buNone/>
+            </a:pPr>
+            <a:r>
+              <a:rPr lang="en-US" altLang="ja-JP" dirty="0">
+                <a:hlinkClick r:id="rId2"/>
+              </a:rPr>
+              <a:t>https://github.com/gsi-cyberjapan/</a:t>
+            </a:r>
+            <a:r>
+              <a:rPr lang="en-US" altLang="ja-JP" dirty="0" smtClean="0">
+                <a:hlinkClick r:id="rId2"/>
+              </a:rPr>
+              <a:t>gsimaps</a:t>
+            </a:r>
+            <a:endParaRPr lang="en-US" altLang="ja-JP" dirty="0" smtClean="0"/>
+          </a:p>
+          <a:p>
+            <a:pPr marL="0" indent="0">
+              <a:buNone/>
+            </a:pPr>
+            <a:endParaRPr kumimoji="1" lang="ja-JP" altLang="en-US" sz="2000" dirty="0"/>
+          </a:p>
+        </p:txBody>
+      </p:sp>
+      <p:sp>
+        <p:nvSpPr>
+          <p:cNvPr id="4" name="スライド番号プレースホルダー 3"/>
+          <p:cNvSpPr>
+            <a:spLocks noGrp="1"/>
+          </p:cNvSpPr>
+          <p:nvPr>
+            <p:ph type="sldNum" sz="quarter" idx="12"/>
+          </p:nvPr>
+        </p:nvSpPr>
+        <p:spPr/>
+        <p:txBody>
+          <a:bodyPr/>
+          <a:lstStyle/>
+          <a:p>
+            <a:pPr>
+              <a:defRPr/>
+            </a:pPr>
+            <a:fld id="{7BDE7F79-B788-EF47-92C0-E4468BC66B4F}" type="slidenum">
+              <a:rPr lang="en-US" altLang="ja-JP" smtClean="0"/>
+              <a:pPr>
+                <a:defRPr/>
+              </a:pPr>
+              <a:t>4</a:t>
+            </a:fld>
+            <a:endParaRPr lang="en-US" altLang="ja-JP"/>
+          </a:p>
+        </p:txBody>
+      </p:sp>
+      <p:sp>
+        <p:nvSpPr>
+          <p:cNvPr id="5" name="角丸四角形吹き出し 4"/>
+          <p:cNvSpPr/>
+          <p:nvPr/>
+        </p:nvSpPr>
+        <p:spPr>
+          <a:xfrm>
+            <a:off x="4067944" y="1412776"/>
+            <a:ext cx="1512168" cy="936104"/>
+          </a:xfrm>
+          <a:prstGeom prst="wedgeRoundRectCallout">
+            <a:avLst>
+              <a:gd name="adj1" fmla="val -32831"/>
+              <a:gd name="adj2" fmla="val -71230"/>
+              <a:gd name="adj3" fmla="val 16667"/>
+            </a:avLst>
+          </a:prstGeom>
+          <a:solidFill>
+            <a:schemeClr val="bg1"/>
+          </a:solidFill>
+          <a:ln>
+            <a:solidFill>
+              <a:schemeClr val="tx1"/>
+            </a:solidFill>
+          </a:ln>
+          <a:effectLst/>
+        </p:spPr>
+        <p:style>
+          <a:lnRef idx="1">
+            <a:schemeClr val="accent1"/>
+          </a:lnRef>
+          <a:fillRef idx="3">
+            <a:schemeClr val="accent1"/>
+          </a:fillRef>
+          <a:effectRef idx="2">
+            <a:schemeClr val="accent1"/>
+          </a:effectRef>
+          <a:fontRef idx="minor">
+            <a:schemeClr val="lt1"/>
+          </a:fontRef>
+        </p:style>
+        <p:txBody>
+          <a:bodyPr rtlCol="0" anchor="ctr"/>
+          <a:lstStyle/>
+          <a:p>
+            <a:pPr algn="ctr"/>
+            <a:r>
+              <a:rPr kumimoji="1" lang="ja-JP" altLang="en-US" dirty="0" smtClean="0">
+                <a:solidFill>
+                  <a:schemeClr val="tx1"/>
+                </a:solidFill>
+              </a:rPr>
+              <a:t>国土地理院</a:t>
+            </a:r>
+            <a:endParaRPr kumimoji="1" lang="en-US" altLang="ja-JP" dirty="0" smtClean="0">
+              <a:solidFill>
+                <a:schemeClr val="tx1"/>
+              </a:solidFill>
+            </a:endParaRPr>
+          </a:p>
+          <a:p>
+            <a:pPr algn="ctr"/>
+            <a:r>
+              <a:rPr kumimoji="1" lang="ja-JP" altLang="en-US" dirty="0" smtClean="0">
+                <a:solidFill>
+                  <a:schemeClr val="tx1"/>
+                </a:solidFill>
+              </a:rPr>
+              <a:t>情報普及課</a:t>
+            </a:r>
+            <a:endParaRPr kumimoji="1" lang="ja-JP" altLang="en-US" dirty="0">
+              <a:solidFill>
+                <a:schemeClr val="tx1"/>
+              </a:solidFill>
+            </a:endParaRPr>
+          </a:p>
+        </p:txBody>
+      </p:sp>
+      <p:sp>
+        <p:nvSpPr>
+          <p:cNvPr id="6" name="角丸四角形吹き出し 5"/>
+          <p:cNvSpPr/>
+          <p:nvPr/>
+        </p:nvSpPr>
+        <p:spPr>
+          <a:xfrm>
+            <a:off x="6660232" y="1412776"/>
+            <a:ext cx="1512168" cy="936104"/>
+          </a:xfrm>
+          <a:prstGeom prst="wedgeRoundRectCallout">
+            <a:avLst>
+              <a:gd name="adj1" fmla="val -32831"/>
+              <a:gd name="adj2" fmla="val -71230"/>
+              <a:gd name="adj3" fmla="val 16667"/>
+            </a:avLst>
+          </a:prstGeom>
+          <a:solidFill>
+            <a:schemeClr val="bg1"/>
+          </a:solidFill>
+          <a:ln>
+            <a:solidFill>
+              <a:schemeClr val="tx1"/>
+            </a:solidFill>
+          </a:ln>
+          <a:effectLst/>
+        </p:spPr>
+        <p:style>
+          <a:lnRef idx="1">
+            <a:schemeClr val="accent1"/>
+          </a:lnRef>
+          <a:fillRef idx="3">
+            <a:schemeClr val="accent1"/>
+          </a:fillRef>
+          <a:effectRef idx="2">
+            <a:schemeClr val="accent1"/>
+          </a:effectRef>
+          <a:fontRef idx="minor">
+            <a:schemeClr val="lt1"/>
+          </a:fontRef>
+        </p:style>
+        <p:txBody>
+          <a:bodyPr rtlCol="0" anchor="ctr"/>
+          <a:lstStyle/>
+          <a:p>
+            <a:pPr algn="ctr"/>
+            <a:r>
+              <a:rPr kumimoji="1" lang="ja-JP" altLang="en-US" dirty="0" smtClean="0">
+                <a:solidFill>
+                  <a:schemeClr val="tx1"/>
+                </a:solidFill>
+              </a:rPr>
+              <a:t>地理院地図</a:t>
+            </a:r>
+            <a:endParaRPr kumimoji="1" lang="ja-JP" altLang="en-US" dirty="0">
+              <a:solidFill>
+                <a:schemeClr val="tx1"/>
+              </a:solidFill>
+            </a:endParaRPr>
+          </a:p>
+        </p:txBody>
+      </p:sp>
+      <p:pic>
+        <p:nvPicPr>
+          <p:cNvPr id="7" name="図 6"/>
+          <p:cNvPicPr>
+            <a:picLocks noChangeAspect="1"/>
+          </p:cNvPicPr>
+          <p:nvPr/>
+        </p:nvPicPr>
+        <p:blipFill>
+          <a:blip r:embed="rId3"/>
+          <a:stretch>
+            <a:fillRect/>
+          </a:stretch>
+        </p:blipFill>
+        <p:spPr>
+          <a:xfrm>
+            <a:off x="611560" y="2442372"/>
+            <a:ext cx="7560840" cy="4450224"/>
+          </a:xfrm>
+          <a:prstGeom prst="rect">
+            <a:avLst/>
+          </a:prstGeom>
+          <a:ln>
+            <a:solidFill>
+              <a:schemeClr val="tx1"/>
+            </a:solidFill>
+          </a:ln>
+        </p:spPr>
+      </p:pic>
+      <p:sp>
+        <p:nvSpPr>
+          <p:cNvPr id="8" name="テキスト ボックス 7"/>
+          <p:cNvSpPr txBox="1"/>
+          <p:nvPr/>
+        </p:nvSpPr>
+        <p:spPr>
+          <a:xfrm>
+            <a:off x="5652120" y="5661248"/>
+            <a:ext cx="3312368" cy="1015663"/>
+          </a:xfrm>
+          <a:prstGeom prst="rect">
+            <a:avLst/>
+          </a:prstGeom>
+          <a:solidFill>
+            <a:srgbClr val="FFF6C9"/>
+          </a:solidFill>
+          <a:ln>
+            <a:solidFill>
+              <a:srgbClr val="FF0000"/>
+            </a:solidFill>
+          </a:ln>
+        </p:spPr>
+        <p:txBody>
+          <a:bodyPr wrap="square" rtlCol="0">
+            <a:spAutoFit/>
+          </a:bodyPr>
+          <a:lstStyle/>
+          <a:p>
+            <a:r>
+              <a:rPr kumimoji="1" lang="ja-JP" altLang="en-US" sz="2000" dirty="0" smtClean="0">
+                <a:solidFill>
+                  <a:srgbClr val="FF0000"/>
+                </a:solidFill>
+              </a:rPr>
+              <a:t>ここまで一旦確認</a:t>
+            </a:r>
+            <a:endParaRPr kumimoji="1" lang="en-US" altLang="ja-JP" sz="2000" dirty="0" smtClean="0">
+              <a:solidFill>
+                <a:srgbClr val="FF0000"/>
+              </a:solidFill>
+            </a:endParaRPr>
+          </a:p>
+          <a:p>
+            <a:pPr marL="274638" indent="-274638"/>
+            <a:r>
+              <a:rPr lang="en-US" altLang="ja-JP" sz="2000" dirty="0" smtClean="0">
+                <a:solidFill>
+                  <a:srgbClr val="FF0000"/>
+                </a:solidFill>
+              </a:rPr>
+              <a:t>※</a:t>
+            </a:r>
+            <a:r>
+              <a:rPr lang="ja-JP" altLang="en-US" sz="2000" dirty="0" smtClean="0">
+                <a:solidFill>
+                  <a:srgbClr val="FF0000"/>
+                </a:solidFill>
+              </a:rPr>
+              <a:t>手が空いたら</a:t>
+            </a:r>
+            <a:r>
+              <a:rPr lang="en-US" altLang="ja-JP" sz="2000" dirty="0" smtClean="0">
+                <a:solidFill>
+                  <a:srgbClr val="FF0000"/>
+                </a:solidFill>
+              </a:rPr>
+              <a:t>Repository</a:t>
+            </a:r>
+            <a:r>
+              <a:rPr lang="ja-JP" altLang="en-US" sz="2000" dirty="0" smtClean="0">
+                <a:solidFill>
+                  <a:srgbClr val="FF0000"/>
+                </a:solidFill>
+              </a:rPr>
+              <a:t>内容を眺めてみてください。</a:t>
+            </a:r>
+            <a:endParaRPr kumimoji="1" lang="ja-JP" altLang="en-US" sz="2000" dirty="0">
+              <a:solidFill>
+                <a:srgbClr val="FF0000"/>
+              </a:solidFill>
+            </a:endParaRPr>
+          </a:p>
+        </p:txBody>
+      </p:sp>
+    </p:spTree>
+    <p:extLst>
+      <p:ext uri="{BB962C8B-B14F-4D97-AF65-F5344CB8AC3E}">
+        <p14:creationId xmlns:p14="http://schemas.microsoft.com/office/powerpoint/2010/main" val="2907245610"/>
+      </p:ext>
+    </p:extLst>
+  </p:cSld>
+  <p:clrMapOvr>
+    <a:masterClrMapping/>
+  </p:clrMapOvr>
+  <p:timing>
+    <p:tnLst>
+      <p:par>
+        <p:cTn xmlns:p14="http://schemas.microsoft.com/office/powerpoint/2010/main" id="1" dur="indefinite" restart="never" nodeType="tmRoot"/>
+      </p:par>
+    </p:tnLst>
+  </p:timing>
+</p:sld>
+</file>
+
+<file path=ppt/slides/slide5.xml><?xml version="1.0" encoding="utf-8"?>
+<p:sld xmlns:a="http://schemas.openxmlformats.org/drawingml/2006/main" xmlns:r="http://schemas.openxmlformats.org/officeDocument/2006/relationships" xmlns:p="http://schemas.openxmlformats.org/presentationml/2006/main">
+  <p:cSld>
+    <p:spTree>
+      <p:nvGrpSpPr>
+        <p:cNvPr id="1" name=""/>
+        <p:cNvGrpSpPr/>
+        <p:nvPr/>
+      </p:nvGrpSpPr>
+      <p:grpSpPr>
+        <a:xfrm>
+          <a:off x="0" y="0"/>
+          <a:ext cx="0" cy="0"/>
+          <a:chOff x="0" y="0"/>
+          <a:chExt cx="0" cy="0"/>
+        </a:xfrm>
+      </p:grpSpPr>
+      <p:sp>
+        <p:nvSpPr>
+          <p:cNvPr id="2" name="タイトル 1"/>
+          <p:cNvSpPr>
+            <a:spLocks noGrp="1"/>
+          </p:cNvSpPr>
+          <p:nvPr>
+            <p:ph type="title"/>
+          </p:nvPr>
+        </p:nvSpPr>
+        <p:spPr/>
+        <p:txBody>
+          <a:bodyPr/>
+          <a:lstStyle/>
+          <a:p>
+            <a:r>
+              <a:rPr lang="ja-JP" altLang="en-US" dirty="0" smtClean="0"/>
+              <a:t>地理院地図をフォーク</a:t>
+            </a:r>
+            <a:endParaRPr kumimoji="1" lang="ja-JP" altLang="en-US" dirty="0"/>
+          </a:p>
+        </p:txBody>
+      </p:sp>
+      <p:sp>
+        <p:nvSpPr>
+          <p:cNvPr id="3" name="コンテンツ プレースホルダー 2"/>
+          <p:cNvSpPr>
+            <a:spLocks noGrp="1"/>
+          </p:cNvSpPr>
+          <p:nvPr>
+            <p:ph idx="1"/>
+          </p:nvPr>
+        </p:nvSpPr>
+        <p:spPr>
+          <a:xfrm>
+            <a:off x="179512" y="548680"/>
+            <a:ext cx="8784976" cy="1008112"/>
+          </a:xfrm>
+        </p:spPr>
+        <p:txBody>
+          <a:bodyPr/>
+          <a:lstStyle/>
+          <a:p>
+            <a:pPr marL="0" indent="0">
+              <a:buNone/>
+            </a:pPr>
+            <a:r>
+              <a:rPr kumimoji="1" lang="ja-JP" altLang="en-US" sz="2400" dirty="0" smtClean="0"/>
+              <a:t>フォーク：元のレポジトリの支流を作ること。</a:t>
+            </a:r>
+            <a:endParaRPr kumimoji="1" lang="en-US" altLang="ja-JP" sz="2400" dirty="0" smtClean="0"/>
+          </a:p>
+          <a:p>
+            <a:pPr marL="0" indent="0">
+              <a:buNone/>
+            </a:pPr>
+            <a:r>
+              <a:rPr lang="ja-JP" altLang="ja-JP" sz="2400" dirty="0"/>
+              <a:t>　</a:t>
+            </a:r>
+            <a:r>
+              <a:rPr lang="en-US" altLang="ja-JP" sz="2400" dirty="0" smtClean="0">
+                <a:solidFill>
+                  <a:schemeClr val="bg1">
+                    <a:lumMod val="50000"/>
+                  </a:schemeClr>
+                </a:solidFill>
+              </a:rPr>
+              <a:t>※</a:t>
+            </a:r>
+            <a:r>
+              <a:rPr lang="ja-JP" altLang="en-US" sz="2400" dirty="0" smtClean="0">
+                <a:solidFill>
+                  <a:schemeClr val="bg1">
+                    <a:lumMod val="50000"/>
+                  </a:schemeClr>
+                </a:solidFill>
+              </a:rPr>
+              <a:t>本流に戻したいものができたら、提案できる（</a:t>
+            </a:r>
+            <a:r>
+              <a:rPr lang="en-US" altLang="ja-JP" sz="2400" dirty="0" smtClean="0">
+                <a:solidFill>
+                  <a:schemeClr val="bg1">
+                    <a:lumMod val="50000"/>
+                  </a:schemeClr>
+                </a:solidFill>
+              </a:rPr>
+              <a:t>Pull Request</a:t>
+            </a:r>
+            <a:r>
+              <a:rPr lang="ja-JP" altLang="en-US" sz="2400" dirty="0" smtClean="0">
+                <a:solidFill>
+                  <a:schemeClr val="bg1">
+                    <a:lumMod val="50000"/>
+                  </a:schemeClr>
+                </a:solidFill>
+              </a:rPr>
+              <a:t>）</a:t>
+            </a:r>
+            <a:endParaRPr kumimoji="1" lang="ja-JP" altLang="en-US" sz="2400" dirty="0">
+              <a:solidFill>
+                <a:schemeClr val="bg1">
+                  <a:lumMod val="50000"/>
+                </a:schemeClr>
+              </a:solidFill>
+            </a:endParaRPr>
+          </a:p>
+        </p:txBody>
+      </p:sp>
+      <p:sp>
+        <p:nvSpPr>
+          <p:cNvPr id="4" name="スライド番号プレースホルダー 3"/>
+          <p:cNvSpPr>
+            <a:spLocks noGrp="1"/>
+          </p:cNvSpPr>
+          <p:nvPr>
+            <p:ph type="sldNum" sz="quarter" idx="12"/>
+          </p:nvPr>
+        </p:nvSpPr>
+        <p:spPr/>
+        <p:txBody>
+          <a:bodyPr/>
+          <a:lstStyle/>
+          <a:p>
+            <a:pPr>
+              <a:defRPr/>
+            </a:pPr>
+            <a:fld id="{7BDE7F79-B788-EF47-92C0-E4468BC66B4F}" type="slidenum">
+              <a:rPr lang="en-US" altLang="ja-JP" smtClean="0"/>
+              <a:pPr>
+                <a:defRPr/>
+              </a:pPr>
+              <a:t>5</a:t>
+            </a:fld>
+            <a:endParaRPr lang="en-US" altLang="ja-JP"/>
+          </a:p>
+        </p:txBody>
+      </p:sp>
+      <p:pic>
+        <p:nvPicPr>
+          <p:cNvPr id="5" name="図 4"/>
+          <p:cNvPicPr>
+            <a:picLocks noChangeAspect="1"/>
+          </p:cNvPicPr>
+          <p:nvPr/>
+        </p:nvPicPr>
+        <p:blipFill>
+          <a:blip r:embed="rId2"/>
+          <a:stretch>
+            <a:fillRect/>
+          </a:stretch>
+        </p:blipFill>
+        <p:spPr>
+          <a:xfrm>
+            <a:off x="7061" y="3865480"/>
+            <a:ext cx="9144000" cy="2128424"/>
+          </a:xfrm>
+          <a:prstGeom prst="rect">
+            <a:avLst/>
+          </a:prstGeom>
+        </p:spPr>
+      </p:pic>
+      <p:sp>
+        <p:nvSpPr>
+          <p:cNvPr id="6" name="角丸四角形吹き出し 5"/>
+          <p:cNvSpPr/>
+          <p:nvPr/>
+        </p:nvSpPr>
+        <p:spPr>
+          <a:xfrm>
+            <a:off x="3779912" y="1700808"/>
+            <a:ext cx="4968552" cy="1656184"/>
+          </a:xfrm>
+          <a:prstGeom prst="wedgeRoundRectCallout">
+            <a:avLst>
+              <a:gd name="adj1" fmla="val 45199"/>
+              <a:gd name="adj2" fmla="val 112907"/>
+              <a:gd name="adj3" fmla="val 16667"/>
+            </a:avLst>
+          </a:prstGeom>
+          <a:solidFill>
+            <a:schemeClr val="bg1"/>
+          </a:solidFill>
+          <a:ln>
+            <a:solidFill>
+              <a:schemeClr val="tx1"/>
+            </a:solidFill>
+          </a:ln>
+          <a:effectLst/>
+        </p:spPr>
+        <p:style>
+          <a:lnRef idx="1">
+            <a:schemeClr val="accent1"/>
+          </a:lnRef>
+          <a:fillRef idx="3">
+            <a:schemeClr val="accent1"/>
+          </a:fillRef>
+          <a:effectRef idx="2">
+            <a:schemeClr val="accent1"/>
+          </a:effectRef>
+          <a:fontRef idx="minor">
+            <a:schemeClr val="lt1"/>
+          </a:fontRef>
+        </p:style>
+        <p:txBody>
+          <a:bodyPr rtlCol="0" anchor="ctr"/>
+          <a:lstStyle/>
+          <a:p>
+            <a:pPr algn="r"/>
+            <a:r>
+              <a:rPr kumimoji="1" lang="ja-JP" altLang="en-US" sz="3200" dirty="0" smtClean="0">
+                <a:solidFill>
+                  <a:schemeClr val="tx1"/>
+                </a:solidFill>
+              </a:rPr>
+              <a:t>をクリック！</a:t>
+            </a:r>
+            <a:endParaRPr kumimoji="1" lang="ja-JP" altLang="en-US" sz="3200" dirty="0">
+              <a:solidFill>
+                <a:schemeClr val="tx1"/>
+              </a:solidFill>
+            </a:endParaRPr>
+          </a:p>
+        </p:txBody>
+      </p:sp>
+      <p:pic>
+        <p:nvPicPr>
+          <p:cNvPr id="7" name="図 6"/>
+          <p:cNvPicPr>
+            <a:picLocks noChangeAspect="1"/>
+          </p:cNvPicPr>
+          <p:nvPr/>
+        </p:nvPicPr>
+        <p:blipFill>
+          <a:blip r:embed="rId3"/>
+          <a:stretch>
+            <a:fillRect/>
+          </a:stretch>
+        </p:blipFill>
+        <p:spPr>
+          <a:xfrm>
+            <a:off x="3995936" y="1844824"/>
+            <a:ext cx="2371463" cy="1368152"/>
+          </a:xfrm>
+          <a:prstGeom prst="rect">
+            <a:avLst/>
+          </a:prstGeom>
+        </p:spPr>
+      </p:pic>
+      <p:sp>
+        <p:nvSpPr>
+          <p:cNvPr id="8" name="テキスト ボックス 7"/>
+          <p:cNvSpPr txBox="1"/>
+          <p:nvPr/>
+        </p:nvSpPr>
+        <p:spPr>
+          <a:xfrm>
+            <a:off x="766244" y="6165304"/>
+            <a:ext cx="7838204" cy="646331"/>
+          </a:xfrm>
+          <a:prstGeom prst="rect">
+            <a:avLst/>
+          </a:prstGeom>
+          <a:noFill/>
+        </p:spPr>
+        <p:txBody>
+          <a:bodyPr wrap="none" rtlCol="0">
+            <a:spAutoFit/>
+          </a:bodyPr>
+          <a:lstStyle/>
+          <a:p>
+            <a:r>
+              <a:rPr kumimoji="1" lang="en-US" altLang="ja-JP" dirty="0" smtClean="0">
+                <a:solidFill>
+                  <a:schemeClr val="bg1">
+                    <a:lumMod val="50000"/>
+                  </a:schemeClr>
+                </a:solidFill>
+              </a:rPr>
+              <a:t>※</a:t>
+            </a:r>
+            <a:r>
+              <a:rPr kumimoji="1" lang="ja-JP" altLang="en-US" dirty="0" smtClean="0">
+                <a:solidFill>
+                  <a:schemeClr val="bg1">
+                    <a:lumMod val="50000"/>
+                  </a:schemeClr>
+                </a:solidFill>
+              </a:rPr>
+              <a:t>すでに自分のアカウントにフォークをお持ちの場合、そのフォークを使うか、</a:t>
+            </a:r>
+            <a:endParaRPr kumimoji="1" lang="en-US" altLang="ja-JP" dirty="0" smtClean="0">
+              <a:solidFill>
+                <a:schemeClr val="bg1">
+                  <a:lumMod val="50000"/>
+                </a:schemeClr>
+              </a:solidFill>
+            </a:endParaRPr>
+          </a:p>
+          <a:p>
+            <a:pPr marL="169863"/>
+            <a:r>
+              <a:rPr lang="ja-JP" altLang="en-US" dirty="0" smtClean="0">
+                <a:solidFill>
+                  <a:schemeClr val="bg1">
+                    <a:lumMod val="50000"/>
+                  </a:schemeClr>
+                </a:solidFill>
+              </a:rPr>
+              <a:t>例えば </a:t>
+            </a:r>
+            <a:r>
+              <a:rPr lang="en-US" altLang="en-US" dirty="0" smtClean="0">
+                <a:solidFill>
+                  <a:schemeClr val="bg1">
+                    <a:lumMod val="50000"/>
+                  </a:schemeClr>
+                </a:solidFill>
+              </a:rPr>
+              <a:t> organization </a:t>
+            </a:r>
+            <a:r>
+              <a:rPr lang="ja-JP" altLang="en-US" dirty="0" smtClean="0">
+                <a:solidFill>
+                  <a:schemeClr val="bg1">
+                    <a:lumMod val="50000"/>
+                  </a:schemeClr>
+                </a:solidFill>
+              </a:rPr>
+              <a:t>アカウントを作成してそこにフォークしてください。</a:t>
+            </a:r>
+            <a:endParaRPr lang="en-US" altLang="ja-JP" dirty="0" smtClean="0">
+              <a:solidFill>
+                <a:schemeClr val="bg1">
+                  <a:lumMod val="50000"/>
+                </a:schemeClr>
+              </a:solidFill>
+            </a:endParaRPr>
+          </a:p>
+        </p:txBody>
+      </p:sp>
+    </p:spTree>
+    <p:extLst>
+      <p:ext uri="{BB962C8B-B14F-4D97-AF65-F5344CB8AC3E}">
+        <p14:creationId xmlns:p14="http://schemas.microsoft.com/office/powerpoint/2010/main" val="2807519782"/>
+      </p:ext>
+    </p:extLst>
+  </p:cSld>
+  <p:clrMapOvr>
+    <a:masterClrMapping/>
+  </p:clrMapOvr>
+  <p:timing>
+    <p:tnLst>
+      <p:par>
+        <p:cTn xmlns:p14="http://schemas.microsoft.com/office/powerpoint/2010/main" id="1" dur="indefinite" restart="never" nodeType="tmRoot"/>
+      </p:par>
+    </p:tnLst>
+  </p:timing>
+</p:sld>
+</file>
+
+<file path=ppt/slides/slide6.xml><?xml version="1.0" encoding="utf-8"?>
+<p:sld xmlns:a="http://schemas.openxmlformats.org/drawingml/2006/main" xmlns:r="http://schemas.openxmlformats.org/officeDocument/2006/relationships" xmlns:p="http://schemas.openxmlformats.org/presentationml/2006/main">
+  <p:cSld>
+    <p:spTree>
+      <p:nvGrpSpPr>
+        <p:cNvPr id="1" name=""/>
+        <p:cNvGrpSpPr/>
+        <p:nvPr/>
+      </p:nvGrpSpPr>
+      <p:grpSpPr>
+        <a:xfrm>
+          <a:off x="0" y="0"/>
+          <a:ext cx="0" cy="0"/>
+          <a:chOff x="0" y="0"/>
+          <a:chExt cx="0" cy="0"/>
+        </a:xfrm>
+      </p:grpSpPr>
+      <p:sp>
+        <p:nvSpPr>
+          <p:cNvPr id="2" name="タイトル 1"/>
+          <p:cNvSpPr>
+            <a:spLocks noGrp="1"/>
+          </p:cNvSpPr>
+          <p:nvPr>
+            <p:ph type="title"/>
+          </p:nvPr>
+        </p:nvSpPr>
+        <p:spPr/>
+        <p:txBody>
+          <a:bodyPr/>
+          <a:lstStyle/>
+          <a:p>
+            <a:r>
+              <a:rPr lang="ja-JP" altLang="en-US" dirty="0" smtClean="0"/>
+              <a:t>フォークができます</a:t>
+            </a:r>
+            <a:endParaRPr kumimoji="1" lang="ja-JP" altLang="en-US" dirty="0"/>
+          </a:p>
+        </p:txBody>
+      </p:sp>
+      <p:sp>
+        <p:nvSpPr>
+          <p:cNvPr id="3" name="コンテンツ プレースホルダー 2"/>
+          <p:cNvSpPr>
+            <a:spLocks noGrp="1"/>
+          </p:cNvSpPr>
+          <p:nvPr>
+            <p:ph idx="1"/>
+          </p:nvPr>
+        </p:nvSpPr>
+        <p:spPr/>
+        <p:txBody>
+          <a:bodyPr/>
+          <a:lstStyle/>
+          <a:p>
+            <a:pPr marL="0" indent="0">
+              <a:buNone/>
+            </a:pPr>
+            <a:r>
+              <a:rPr kumimoji="1" lang="ja-JP" altLang="en-US" sz="2400" dirty="0" smtClean="0"/>
+              <a:t>レポジトリの</a:t>
+            </a:r>
+            <a:r>
+              <a:rPr kumimoji="1" lang="en-US" altLang="ja-JP" sz="2400" dirty="0" smtClean="0"/>
+              <a:t>URL</a:t>
+            </a:r>
+            <a:r>
+              <a:rPr kumimoji="1" lang="ja-JP" altLang="en-US" sz="2400" dirty="0" smtClean="0"/>
+              <a:t>をフォークの</a:t>
+            </a:r>
+            <a:r>
+              <a:rPr kumimoji="1" lang="en-US" altLang="ja-JP" sz="2400" dirty="0" smtClean="0"/>
+              <a:t>URL</a:t>
+            </a:r>
+            <a:r>
+              <a:rPr kumimoji="1" lang="ja-JP" altLang="en-US" sz="2400" dirty="0" smtClean="0"/>
+              <a:t>に変更</a:t>
+            </a:r>
+            <a:endParaRPr kumimoji="1" lang="en-US" altLang="ja-JP" sz="2400" dirty="0" smtClean="0"/>
+          </a:p>
+          <a:p>
+            <a:endParaRPr kumimoji="1" lang="ja-JP" altLang="en-US" dirty="0"/>
+          </a:p>
+        </p:txBody>
+      </p:sp>
+      <p:sp>
+        <p:nvSpPr>
+          <p:cNvPr id="4" name="スライド番号プレースホルダー 3"/>
+          <p:cNvSpPr>
+            <a:spLocks noGrp="1"/>
+          </p:cNvSpPr>
+          <p:nvPr>
+            <p:ph type="sldNum" sz="quarter" idx="12"/>
+          </p:nvPr>
+        </p:nvSpPr>
+        <p:spPr/>
+        <p:txBody>
+          <a:bodyPr/>
+          <a:lstStyle/>
+          <a:p>
+            <a:pPr>
+              <a:defRPr/>
+            </a:pPr>
+            <a:fld id="{7BDE7F79-B788-EF47-92C0-E4468BC66B4F}" type="slidenum">
+              <a:rPr lang="en-US" altLang="ja-JP" smtClean="0"/>
+              <a:pPr>
+                <a:defRPr/>
+              </a:pPr>
+              <a:t>6</a:t>
+            </a:fld>
+            <a:endParaRPr lang="en-US" altLang="ja-JP"/>
+          </a:p>
+        </p:txBody>
+      </p:sp>
+      <p:pic>
+        <p:nvPicPr>
+          <p:cNvPr id="6" name="図 5"/>
+          <p:cNvPicPr>
+            <a:picLocks noChangeAspect="1"/>
+          </p:cNvPicPr>
+          <p:nvPr/>
+        </p:nvPicPr>
+        <p:blipFill>
+          <a:blip r:embed="rId2"/>
+          <a:stretch>
+            <a:fillRect/>
+          </a:stretch>
+        </p:blipFill>
+        <p:spPr>
+          <a:xfrm>
+            <a:off x="0" y="3118602"/>
+            <a:ext cx="9144000" cy="3766782"/>
+          </a:xfrm>
+          <a:prstGeom prst="rect">
+            <a:avLst/>
+          </a:prstGeom>
+        </p:spPr>
+      </p:pic>
+      <p:sp>
+        <p:nvSpPr>
+          <p:cNvPr id="7" name="角丸四角形吹き出し 6"/>
+          <p:cNvSpPr/>
+          <p:nvPr/>
+        </p:nvSpPr>
+        <p:spPr>
+          <a:xfrm>
+            <a:off x="395536" y="1268760"/>
+            <a:ext cx="6480720" cy="1728192"/>
+          </a:xfrm>
+          <a:prstGeom prst="wedgeRoundRectCallout">
+            <a:avLst>
+              <a:gd name="adj1" fmla="val 8833"/>
+              <a:gd name="adj2" fmla="val 135638"/>
+              <a:gd name="adj3" fmla="val 16667"/>
+            </a:avLst>
+          </a:prstGeom>
+          <a:solidFill>
+            <a:schemeClr val="bg1"/>
+          </a:solidFill>
+          <a:ln>
+            <a:solidFill>
+              <a:schemeClr val="tx1"/>
+            </a:solidFill>
+          </a:ln>
+          <a:effectLst/>
+        </p:spPr>
+        <p:style>
+          <a:lnRef idx="1">
+            <a:schemeClr val="accent1"/>
+          </a:lnRef>
+          <a:fillRef idx="3">
+            <a:schemeClr val="accent1"/>
+          </a:fillRef>
+          <a:effectRef idx="2">
+            <a:schemeClr val="accent1"/>
+          </a:effectRef>
+          <a:fontRef idx="minor">
+            <a:schemeClr val="lt1"/>
+          </a:fontRef>
+        </p:style>
+        <p:txBody>
+          <a:bodyPr rtlCol="0" anchor="ctr"/>
+          <a:lstStyle/>
+          <a:p>
+            <a:r>
+              <a:rPr lang="ja-JP" altLang="en-US" dirty="0" smtClean="0">
+                <a:solidFill>
+                  <a:schemeClr val="tx1"/>
+                </a:solidFill>
+              </a:rPr>
+              <a:t>の</a:t>
+            </a:r>
+            <a:r>
+              <a:rPr lang="en-US" altLang="ja-JP" dirty="0" smtClean="0">
+                <a:solidFill>
+                  <a:schemeClr val="tx1"/>
+                </a:solidFill>
+              </a:rPr>
+              <a:t> Edit </a:t>
+            </a:r>
+            <a:r>
+              <a:rPr lang="ja-JP" altLang="en-US" dirty="0" smtClean="0">
+                <a:solidFill>
+                  <a:schemeClr val="tx1"/>
+                </a:solidFill>
+              </a:rPr>
+              <a:t>をクリックして、「</a:t>
+            </a:r>
+            <a:r>
+              <a:rPr lang="en-US" altLang="ja-JP" dirty="0" err="1" smtClean="0">
+                <a:solidFill>
+                  <a:schemeClr val="tx1"/>
+                </a:solidFill>
+              </a:rPr>
+              <a:t>gsi-cyberjapan</a:t>
+            </a:r>
+            <a:r>
+              <a:rPr lang="ja-JP" altLang="en-US" dirty="0" smtClean="0">
+                <a:solidFill>
+                  <a:schemeClr val="tx1"/>
+                </a:solidFill>
+              </a:rPr>
+              <a:t>」の部分を</a:t>
+            </a:r>
+            <a:endParaRPr lang="en-US" altLang="ja-JP" dirty="0" smtClean="0">
+              <a:solidFill>
+                <a:schemeClr val="tx1"/>
+              </a:solidFill>
+            </a:endParaRPr>
+          </a:p>
+          <a:p>
+            <a:r>
+              <a:rPr kumimoji="1" lang="ja-JP" altLang="en-US" dirty="0" smtClean="0">
+                <a:solidFill>
+                  <a:schemeClr val="tx1"/>
+                </a:solidFill>
+              </a:rPr>
+              <a:t>あなたのアカウント（下記例では</a:t>
+            </a:r>
+            <a:r>
+              <a:rPr kumimoji="1" lang="en-US" altLang="ja-JP" dirty="0" smtClean="0">
+                <a:solidFill>
+                  <a:schemeClr val="tx1"/>
+                </a:solidFill>
+              </a:rPr>
+              <a:t> foss4g-tokyo-vt</a:t>
+            </a:r>
+            <a:r>
+              <a:rPr kumimoji="1" lang="ja-JP" altLang="en-US" dirty="0" smtClean="0">
+                <a:solidFill>
+                  <a:schemeClr val="tx1"/>
+                </a:solidFill>
+              </a:rPr>
+              <a:t>）に書き換えて</a:t>
+            </a:r>
+            <a:r>
+              <a:rPr lang="en-US" altLang="ja-JP" dirty="0" smtClean="0">
+                <a:solidFill>
+                  <a:schemeClr val="tx1"/>
+                </a:solidFill>
+              </a:rPr>
+              <a:t> </a:t>
+            </a:r>
+            <a:r>
+              <a:rPr lang="en-US" altLang="ja-JP" dirty="0" smtClean="0">
+                <a:solidFill>
+                  <a:schemeClr val="tx1"/>
+                </a:solidFill>
+                <a:hlinkClick r:id="rId3"/>
+              </a:rPr>
+              <a:t>http://foss4g-tokyo-vt.github.io/gsimaps/</a:t>
+            </a:r>
+            <a:r>
+              <a:rPr lang="en-US" altLang="ja-JP" dirty="0" smtClean="0">
+                <a:solidFill>
+                  <a:schemeClr val="tx1"/>
+                </a:solidFill>
+              </a:rPr>
+              <a:t> </a:t>
+            </a:r>
+            <a:r>
+              <a:rPr lang="ja-JP" altLang="en-US" dirty="0" smtClean="0">
+                <a:solidFill>
+                  <a:schemeClr val="tx1"/>
+                </a:solidFill>
+              </a:rPr>
+              <a:t>として</a:t>
+            </a:r>
+            <a:r>
+              <a:rPr lang="en-US" altLang="ja-JP" dirty="0" smtClean="0">
+                <a:solidFill>
+                  <a:schemeClr val="tx1"/>
+                </a:solidFill>
+              </a:rPr>
+              <a:t> Save </a:t>
+            </a:r>
+            <a:r>
+              <a:rPr lang="ja-JP" altLang="en-US" dirty="0" smtClean="0">
+                <a:solidFill>
+                  <a:schemeClr val="tx1"/>
+                </a:solidFill>
+              </a:rPr>
+              <a:t>する</a:t>
+            </a:r>
+            <a:endParaRPr kumimoji="1" lang="en-US" altLang="ja-JP" dirty="0" smtClean="0">
+              <a:solidFill>
+                <a:schemeClr val="tx1"/>
+              </a:solidFill>
+            </a:endParaRPr>
+          </a:p>
+        </p:txBody>
+      </p:sp>
+      <p:pic>
+        <p:nvPicPr>
+          <p:cNvPr id="8" name="図 7"/>
+          <p:cNvPicPr>
+            <a:picLocks noChangeAspect="1"/>
+          </p:cNvPicPr>
+          <p:nvPr/>
+        </p:nvPicPr>
+        <p:blipFill>
+          <a:blip r:embed="rId4"/>
+          <a:stretch>
+            <a:fillRect/>
+          </a:stretch>
+        </p:blipFill>
+        <p:spPr>
+          <a:xfrm>
+            <a:off x="539552" y="1340768"/>
+            <a:ext cx="4343400" cy="393700"/>
+          </a:xfrm>
+          <a:prstGeom prst="rect">
+            <a:avLst/>
+          </a:prstGeom>
+        </p:spPr>
+      </p:pic>
+      <p:sp>
+        <p:nvSpPr>
+          <p:cNvPr id="10" name="テキスト ボックス 9"/>
+          <p:cNvSpPr txBox="1"/>
+          <p:nvPr/>
+        </p:nvSpPr>
+        <p:spPr>
+          <a:xfrm>
+            <a:off x="6948264" y="1847726"/>
+            <a:ext cx="2054368" cy="1077218"/>
+          </a:xfrm>
+          <a:prstGeom prst="rect">
+            <a:avLst/>
+          </a:prstGeom>
+          <a:noFill/>
+        </p:spPr>
+        <p:txBody>
+          <a:bodyPr wrap="none" rtlCol="0">
+            <a:spAutoFit/>
+          </a:bodyPr>
+          <a:lstStyle/>
+          <a:p>
+            <a:r>
+              <a:rPr kumimoji="1" lang="en-US" altLang="ja-JP" sz="1600" dirty="0" smtClean="0">
+                <a:solidFill>
+                  <a:srgbClr val="7F7F7F"/>
+                </a:solidFill>
+              </a:rPr>
+              <a:t>※</a:t>
+            </a:r>
+            <a:r>
+              <a:rPr kumimoji="1" lang="en-US" altLang="ja-JP" sz="1600" dirty="0" err="1" smtClean="0">
+                <a:solidFill>
+                  <a:srgbClr val="7F7F7F"/>
+                </a:solidFill>
+              </a:rPr>
+              <a:t>GitHub</a:t>
+            </a:r>
+            <a:r>
+              <a:rPr kumimoji="1" lang="ja-JP" altLang="en-US" sz="1600" dirty="0" smtClean="0">
+                <a:solidFill>
+                  <a:srgbClr val="7F7F7F"/>
+                </a:solidFill>
+              </a:rPr>
+              <a:t>の実装都合</a:t>
+            </a:r>
+            <a:endParaRPr kumimoji="1" lang="en-US" altLang="ja-JP" sz="1600" dirty="0" smtClean="0">
+              <a:solidFill>
+                <a:srgbClr val="7F7F7F"/>
+              </a:solidFill>
+            </a:endParaRPr>
+          </a:p>
+          <a:p>
+            <a:r>
+              <a:rPr lang="ja-JP" altLang="en-US" sz="1600" dirty="0" smtClean="0">
+                <a:solidFill>
+                  <a:srgbClr val="7F7F7F"/>
+                </a:solidFill>
+              </a:rPr>
+              <a:t>で、まだリンクは</a:t>
+            </a:r>
+            <a:endParaRPr lang="en-US" altLang="ja-JP" sz="1600" dirty="0" smtClean="0">
+              <a:solidFill>
+                <a:srgbClr val="7F7F7F"/>
+              </a:solidFill>
+            </a:endParaRPr>
+          </a:p>
+          <a:p>
+            <a:r>
+              <a:rPr kumimoji="1" lang="ja-JP" altLang="en-US" sz="1600" dirty="0" smtClean="0">
+                <a:solidFill>
+                  <a:srgbClr val="7F7F7F"/>
+                </a:solidFill>
+              </a:rPr>
+              <a:t>つながりません。</a:t>
+            </a:r>
+            <a:endParaRPr kumimoji="1" lang="en-US" altLang="ja-JP" sz="1600" dirty="0" smtClean="0">
+              <a:solidFill>
+                <a:srgbClr val="7F7F7F"/>
+              </a:solidFill>
+            </a:endParaRPr>
+          </a:p>
+          <a:p>
+            <a:r>
+              <a:rPr lang="ja-JP" altLang="en-US" sz="1600" dirty="0" smtClean="0">
+                <a:solidFill>
+                  <a:srgbClr val="7F7F7F"/>
+                </a:solidFill>
+              </a:rPr>
+              <a:t>次のステップが必要。</a:t>
+            </a:r>
+            <a:endParaRPr kumimoji="1" lang="ja-JP" altLang="en-US" sz="1600" dirty="0">
+              <a:solidFill>
+                <a:srgbClr val="7F7F7F"/>
+              </a:solidFill>
+            </a:endParaRPr>
+          </a:p>
+        </p:txBody>
+      </p:sp>
+    </p:spTree>
+    <p:extLst>
+      <p:ext uri="{BB962C8B-B14F-4D97-AF65-F5344CB8AC3E}">
+        <p14:creationId xmlns:p14="http://schemas.microsoft.com/office/powerpoint/2010/main" val="1692311737"/>
+      </p:ext>
+    </p:extLst>
+  </p:cSld>
+  <p:clrMapOvr>
+    <a:masterClrMapping/>
+  </p:clrMapOvr>
+  <p:timing>
+    <p:tnLst>
+      <p:par>
+        <p:cTn xmlns:p14="http://schemas.microsoft.com/office/powerpoint/2010/main" id="1" dur="indefinite" restart="never" nodeType="tmRoot"/>
+      </p:par>
+    </p:tnLst>
+  </p:timing>
+</p:sld>
+</file>
+
+<file path=ppt/slides/slide7.xml><?xml version="1.0" encoding="utf-8"?>
+<p:sld xmlns:a="http://schemas.openxmlformats.org/drawingml/2006/main" xmlns:r="http://schemas.openxmlformats.org/officeDocument/2006/relationships" xmlns:p="http://schemas.openxmlformats.org/presentationml/2006/main">
+  <p:cSld>
+    <p:spTree>
+      <p:nvGrpSpPr>
+        <p:cNvPr id="1" name=""/>
+        <p:cNvGrpSpPr/>
+        <p:nvPr/>
+      </p:nvGrpSpPr>
+      <p:grpSpPr>
+        <a:xfrm>
+          <a:off x="0" y="0"/>
+          <a:ext cx="0" cy="0"/>
+          <a:chOff x="0" y="0"/>
+          <a:chExt cx="0" cy="0"/>
+        </a:xfrm>
+      </p:grpSpPr>
+      <p:sp>
+        <p:nvSpPr>
+          <p:cNvPr id="2" name="タイトル 1"/>
+          <p:cNvSpPr>
+            <a:spLocks noGrp="1"/>
+          </p:cNvSpPr>
+          <p:nvPr>
+            <p:ph type="title"/>
+          </p:nvPr>
+        </p:nvSpPr>
+        <p:spPr/>
+        <p:txBody>
+          <a:bodyPr/>
+          <a:lstStyle/>
+          <a:p>
+            <a:r>
+              <a:rPr kumimoji="1" lang="ja-JP" altLang="en-US" dirty="0" smtClean="0"/>
+              <a:t>タイトルを入れる</a:t>
+            </a:r>
+            <a:endParaRPr kumimoji="1" lang="ja-JP" altLang="en-US" dirty="0"/>
+          </a:p>
+        </p:txBody>
+      </p:sp>
+      <p:sp>
+        <p:nvSpPr>
+          <p:cNvPr id="3" name="コンテンツ プレースホルダー 2"/>
+          <p:cNvSpPr>
+            <a:spLocks noGrp="1"/>
+          </p:cNvSpPr>
+          <p:nvPr>
+            <p:ph idx="1"/>
+          </p:nvPr>
+        </p:nvSpPr>
+        <p:spPr>
+          <a:xfrm>
+            <a:off x="107504" y="1772816"/>
+            <a:ext cx="8229600" cy="648072"/>
+          </a:xfrm>
+          <a:ln>
+            <a:solidFill>
+              <a:schemeClr val="tx1"/>
+            </a:solidFill>
+          </a:ln>
+        </p:spPr>
+        <p:txBody>
+          <a:bodyPr/>
+          <a:lstStyle/>
+          <a:p>
+            <a:pPr marL="0" indent="0">
+              <a:buNone/>
+            </a:pPr>
+            <a:r>
+              <a:rPr lang="en-US" altLang="ja-JP" sz="2800" dirty="0" smtClean="0">
+                <a:hlinkClick r:id="rId2"/>
+              </a:rPr>
+              <a:t>index.html </a:t>
+            </a:r>
+            <a:r>
+              <a:rPr lang="ja-JP" altLang="en-US" sz="2800" dirty="0" smtClean="0">
+                <a:hlinkClick r:id="rId2"/>
+              </a:rPr>
+              <a:t>の </a:t>
+            </a:r>
+            <a:r>
+              <a:rPr lang="en-US" altLang="ja-JP" sz="2800" dirty="0" smtClean="0">
+                <a:hlinkClick r:id="rId2"/>
+              </a:rPr>
+              <a:t>68 </a:t>
+            </a:r>
+            <a:r>
+              <a:rPr lang="ja-JP" altLang="en-US" sz="2800" dirty="0" smtClean="0">
+                <a:hlinkClick r:id="rId2"/>
+              </a:rPr>
+              <a:t>行め</a:t>
+            </a:r>
+            <a:r>
+              <a:rPr lang="en-US" altLang="ja-JP" sz="2800" dirty="0" smtClean="0"/>
+              <a:t> </a:t>
+            </a:r>
+            <a:r>
+              <a:rPr lang="ja-JP" altLang="en-US" sz="2800" dirty="0" smtClean="0"/>
+              <a:t>を書き換えに行く</a:t>
+            </a:r>
+            <a:endParaRPr kumimoji="1" lang="ja-JP" altLang="en-US" sz="2800" dirty="0"/>
+          </a:p>
+        </p:txBody>
+      </p:sp>
+      <p:sp>
+        <p:nvSpPr>
+          <p:cNvPr id="4" name="スライド番号プレースホルダー 3"/>
+          <p:cNvSpPr>
+            <a:spLocks noGrp="1"/>
+          </p:cNvSpPr>
+          <p:nvPr>
+            <p:ph type="sldNum" sz="quarter" idx="12"/>
+          </p:nvPr>
+        </p:nvSpPr>
+        <p:spPr/>
+        <p:txBody>
+          <a:bodyPr/>
+          <a:lstStyle/>
+          <a:p>
+            <a:pPr>
+              <a:defRPr/>
+            </a:pPr>
+            <a:fld id="{7BDE7F79-B788-EF47-92C0-E4468BC66B4F}" type="slidenum">
+              <a:rPr lang="en-US" altLang="ja-JP" smtClean="0"/>
+              <a:pPr>
+                <a:defRPr/>
+              </a:pPr>
+              <a:t>7</a:t>
+            </a:fld>
+            <a:endParaRPr lang="en-US" altLang="ja-JP"/>
+          </a:p>
+        </p:txBody>
+      </p:sp>
+      <p:pic>
+        <p:nvPicPr>
+          <p:cNvPr id="5" name="図 4"/>
+          <p:cNvPicPr>
+            <a:picLocks noChangeAspect="1"/>
+          </p:cNvPicPr>
+          <p:nvPr/>
+        </p:nvPicPr>
+        <p:blipFill>
+          <a:blip r:embed="rId3"/>
+          <a:stretch>
+            <a:fillRect/>
+          </a:stretch>
+        </p:blipFill>
+        <p:spPr>
+          <a:xfrm>
+            <a:off x="107504" y="620688"/>
+            <a:ext cx="1817656" cy="1008112"/>
+          </a:xfrm>
+          <a:prstGeom prst="rect">
+            <a:avLst/>
+          </a:prstGeom>
+        </p:spPr>
+      </p:pic>
+      <p:pic>
+        <p:nvPicPr>
+          <p:cNvPr id="6" name="図 5"/>
+          <p:cNvPicPr>
+            <a:picLocks noChangeAspect="1"/>
+          </p:cNvPicPr>
+          <p:nvPr/>
+        </p:nvPicPr>
+        <p:blipFill>
+          <a:blip r:embed="rId4"/>
+          <a:stretch>
+            <a:fillRect/>
+          </a:stretch>
+        </p:blipFill>
+        <p:spPr>
+          <a:xfrm>
+            <a:off x="107504" y="2636912"/>
+            <a:ext cx="5760640" cy="1832283"/>
+          </a:xfrm>
+          <a:prstGeom prst="rect">
+            <a:avLst/>
+          </a:prstGeom>
+          <a:ln>
+            <a:solidFill>
+              <a:schemeClr val="tx1"/>
+            </a:solidFill>
+          </a:ln>
+        </p:spPr>
+      </p:pic>
+      <p:sp>
+        <p:nvSpPr>
+          <p:cNvPr id="7" name="角丸四角形吹き出し 6"/>
+          <p:cNvSpPr/>
+          <p:nvPr/>
+        </p:nvSpPr>
+        <p:spPr>
+          <a:xfrm>
+            <a:off x="1043608" y="2780928"/>
+            <a:ext cx="1296144" cy="576064"/>
+          </a:xfrm>
+          <a:prstGeom prst="wedgeRoundRectCallout">
+            <a:avLst>
+              <a:gd name="adj1" fmla="val -64146"/>
+              <a:gd name="adj2" fmla="val -5312"/>
+              <a:gd name="adj3" fmla="val 16667"/>
+            </a:avLst>
+          </a:prstGeom>
+          <a:solidFill>
+            <a:schemeClr val="bg1"/>
+          </a:solidFill>
+          <a:ln>
+            <a:solidFill>
+              <a:schemeClr val="tx1"/>
+            </a:solidFill>
+          </a:ln>
+          <a:effectLst/>
+        </p:spPr>
+        <p:style>
+          <a:lnRef idx="1">
+            <a:schemeClr val="accent1"/>
+          </a:lnRef>
+          <a:fillRef idx="3">
+            <a:schemeClr val="accent1"/>
+          </a:fillRef>
+          <a:effectRef idx="2">
+            <a:schemeClr val="accent1"/>
+          </a:effectRef>
+          <a:fontRef idx="minor">
+            <a:schemeClr val="lt1"/>
+          </a:fontRef>
+        </p:style>
+        <p:txBody>
+          <a:bodyPr rtlCol="0" anchor="ctr"/>
+          <a:lstStyle/>
+          <a:p>
+            <a:pPr algn="ctr"/>
+            <a:r>
+              <a:rPr kumimoji="1" lang="ja-JP" altLang="en-US" dirty="0" smtClean="0">
+                <a:solidFill>
+                  <a:schemeClr val="tx1"/>
+                </a:solidFill>
+              </a:rPr>
+              <a:t>クリック</a:t>
+            </a:r>
+            <a:endParaRPr kumimoji="1" lang="ja-JP" altLang="en-US" dirty="0">
+              <a:solidFill>
+                <a:schemeClr val="tx1"/>
+              </a:solidFill>
+            </a:endParaRPr>
+          </a:p>
+        </p:txBody>
+      </p:sp>
+      <p:pic>
+        <p:nvPicPr>
+          <p:cNvPr id="8" name="図 7"/>
+          <p:cNvPicPr>
+            <a:picLocks noChangeAspect="1"/>
+          </p:cNvPicPr>
+          <p:nvPr/>
+        </p:nvPicPr>
+        <p:blipFill>
+          <a:blip r:embed="rId5"/>
+          <a:stretch>
+            <a:fillRect/>
+          </a:stretch>
+        </p:blipFill>
+        <p:spPr>
+          <a:xfrm>
+            <a:off x="3923928" y="4581128"/>
+            <a:ext cx="4976365" cy="2276872"/>
+          </a:xfrm>
+          <a:prstGeom prst="rect">
+            <a:avLst/>
+          </a:prstGeom>
+          <a:ln>
+            <a:solidFill>
+              <a:schemeClr val="tx1"/>
+            </a:solidFill>
+          </a:ln>
+        </p:spPr>
+      </p:pic>
+      <p:sp>
+        <p:nvSpPr>
+          <p:cNvPr id="9" name="角丸四角形吹き出し 8"/>
+          <p:cNvSpPr/>
+          <p:nvPr/>
+        </p:nvSpPr>
+        <p:spPr>
+          <a:xfrm>
+            <a:off x="6444208" y="2492896"/>
+            <a:ext cx="2411760" cy="2376264"/>
+          </a:xfrm>
+          <a:prstGeom prst="wedgeRoundRectCallout">
+            <a:avLst>
+              <a:gd name="adj1" fmla="val 36832"/>
+              <a:gd name="adj2" fmla="val 88363"/>
+              <a:gd name="adj3" fmla="val 16667"/>
+            </a:avLst>
+          </a:prstGeom>
+          <a:solidFill>
+            <a:schemeClr val="bg1"/>
+          </a:solidFill>
+          <a:ln>
+            <a:solidFill>
+              <a:schemeClr val="tx1"/>
+            </a:solidFill>
+          </a:ln>
+          <a:effectLst/>
+        </p:spPr>
+        <p:style>
+          <a:lnRef idx="1">
+            <a:schemeClr val="accent1"/>
+          </a:lnRef>
+          <a:fillRef idx="3">
+            <a:schemeClr val="accent1"/>
+          </a:fillRef>
+          <a:effectRef idx="2">
+            <a:schemeClr val="accent1"/>
+          </a:effectRef>
+          <a:fontRef idx="minor">
+            <a:schemeClr val="lt1"/>
+          </a:fontRef>
+        </p:style>
+        <p:txBody>
+          <a:bodyPr rtlCol="0" anchor="ctr"/>
+          <a:lstStyle/>
+          <a:p>
+            <a:pPr algn="ctr"/>
+            <a:endParaRPr kumimoji="1" lang="en-US" altLang="ja-JP" dirty="0" smtClean="0">
+              <a:solidFill>
+                <a:schemeClr val="tx1"/>
+              </a:solidFill>
+            </a:endParaRPr>
+          </a:p>
+          <a:p>
+            <a:pPr algn="ctr"/>
+            <a:endParaRPr lang="en-US" altLang="ja-JP" dirty="0">
+              <a:solidFill>
+                <a:schemeClr val="tx1"/>
+              </a:solidFill>
+            </a:endParaRPr>
+          </a:p>
+          <a:p>
+            <a:pPr algn="ctr"/>
+            <a:endParaRPr kumimoji="1" lang="en-US" altLang="ja-JP" dirty="0" smtClean="0">
+              <a:solidFill>
+                <a:schemeClr val="tx1"/>
+              </a:solidFill>
+            </a:endParaRPr>
+          </a:p>
+          <a:p>
+            <a:pPr algn="ctr"/>
+            <a:endParaRPr lang="en-US" altLang="ja-JP" dirty="0">
+              <a:solidFill>
+                <a:schemeClr val="tx1"/>
+              </a:solidFill>
+            </a:endParaRPr>
+          </a:p>
+          <a:p>
+            <a:pPr algn="ctr"/>
+            <a:endParaRPr kumimoji="1" lang="en-US" altLang="ja-JP" dirty="0" smtClean="0">
+              <a:solidFill>
+                <a:schemeClr val="tx1"/>
+              </a:solidFill>
+            </a:endParaRPr>
+          </a:p>
+          <a:p>
+            <a:pPr algn="ctr"/>
+            <a:endParaRPr lang="en-US" altLang="ja-JP" dirty="0">
+              <a:solidFill>
+                <a:schemeClr val="tx1"/>
+              </a:solidFill>
+            </a:endParaRPr>
+          </a:p>
+          <a:p>
+            <a:pPr algn="ctr"/>
+            <a:r>
+              <a:rPr kumimoji="1" lang="ja-JP" altLang="en-US" dirty="0" smtClean="0">
+                <a:solidFill>
+                  <a:schemeClr val="tx1"/>
+                </a:solidFill>
+              </a:rPr>
+              <a:t>をクリック</a:t>
+            </a:r>
+            <a:endParaRPr kumimoji="1" lang="ja-JP" altLang="en-US" dirty="0">
+              <a:solidFill>
+                <a:schemeClr val="tx1"/>
+              </a:solidFill>
+            </a:endParaRPr>
+          </a:p>
+        </p:txBody>
+      </p:sp>
+      <p:pic>
+        <p:nvPicPr>
+          <p:cNvPr id="10" name="図 9"/>
+          <p:cNvPicPr>
+            <a:picLocks noChangeAspect="1"/>
+          </p:cNvPicPr>
+          <p:nvPr/>
+        </p:nvPicPr>
+        <p:blipFill>
+          <a:blip r:embed="rId6"/>
+          <a:stretch>
+            <a:fillRect/>
+          </a:stretch>
+        </p:blipFill>
+        <p:spPr>
+          <a:xfrm>
+            <a:off x="6588224" y="2636912"/>
+            <a:ext cx="2128236" cy="1728192"/>
+          </a:xfrm>
+          <a:prstGeom prst="rect">
+            <a:avLst/>
+          </a:prstGeom>
+        </p:spPr>
+      </p:pic>
+      <p:sp>
+        <p:nvSpPr>
+          <p:cNvPr id="11" name="テキスト ボックス 10"/>
+          <p:cNvSpPr txBox="1"/>
+          <p:nvPr/>
+        </p:nvSpPr>
+        <p:spPr>
+          <a:xfrm>
+            <a:off x="2123728" y="620688"/>
+            <a:ext cx="4981427" cy="646331"/>
+          </a:xfrm>
+          <a:prstGeom prst="rect">
+            <a:avLst/>
+          </a:prstGeom>
+          <a:noFill/>
+        </p:spPr>
+        <p:txBody>
+          <a:bodyPr wrap="none" rtlCol="0">
+            <a:spAutoFit/>
+          </a:bodyPr>
+          <a:lstStyle/>
+          <a:p>
+            <a:r>
+              <a:rPr kumimoji="1" lang="en-US" altLang="ja-JP" dirty="0" smtClean="0">
+                <a:solidFill>
+                  <a:srgbClr val="7F7F7F"/>
+                </a:solidFill>
+              </a:rPr>
+              <a:t>※</a:t>
+            </a:r>
+            <a:r>
+              <a:rPr kumimoji="1" lang="ja-JP" altLang="en-US" dirty="0" smtClean="0">
+                <a:solidFill>
+                  <a:srgbClr val="7F7F7F"/>
+                </a:solidFill>
+              </a:rPr>
+              <a:t>実は、タイトルの有無が</a:t>
+            </a:r>
+            <a:r>
+              <a:rPr kumimoji="1" lang="en-US" altLang="ja-JP" dirty="0" err="1" smtClean="0">
+                <a:solidFill>
+                  <a:srgbClr val="7F7F7F"/>
+                </a:solidFill>
+              </a:rPr>
+              <a:t>GitHub</a:t>
+            </a:r>
+            <a:r>
+              <a:rPr kumimoji="1" lang="ja-JP" altLang="en-US" dirty="0" smtClean="0">
+                <a:solidFill>
+                  <a:srgbClr val="7F7F7F"/>
+                </a:solidFill>
+              </a:rPr>
+              <a:t>版地理院地図と</a:t>
+            </a:r>
+            <a:endParaRPr kumimoji="1" lang="en-US" altLang="ja-JP" dirty="0" smtClean="0">
+              <a:solidFill>
+                <a:srgbClr val="7F7F7F"/>
+              </a:solidFill>
+            </a:endParaRPr>
+          </a:p>
+          <a:p>
+            <a:pPr marL="182563"/>
+            <a:r>
+              <a:rPr kumimoji="1" lang="ja-JP" altLang="en-US" dirty="0" smtClean="0">
+                <a:solidFill>
+                  <a:srgbClr val="7F7F7F"/>
+                </a:solidFill>
+              </a:rPr>
+              <a:t>運用版地理院地図の唯一の違いです。</a:t>
+            </a:r>
+            <a:endParaRPr kumimoji="1" lang="ja-JP" altLang="en-US" dirty="0">
+              <a:solidFill>
+                <a:srgbClr val="7F7F7F"/>
+              </a:solidFill>
+            </a:endParaRPr>
+          </a:p>
+        </p:txBody>
+      </p:sp>
+    </p:spTree>
+    <p:extLst>
+      <p:ext uri="{BB962C8B-B14F-4D97-AF65-F5344CB8AC3E}">
+        <p14:creationId xmlns:p14="http://schemas.microsoft.com/office/powerpoint/2010/main" val="3409697997"/>
+      </p:ext>
+    </p:extLst>
+  </p:cSld>
+  <p:clrMapOvr>
+    <a:masterClrMapping/>
+  </p:clrMapOvr>
+  <p:timing>
+    <p:tnLst>
+      <p:par>
+        <p:cTn xmlns:p14="http://schemas.microsoft.com/office/powerpoint/2010/main" id="1" dur="indefinite" restart="never" nodeType="tmRoot"/>
+      </p:par>
+    </p:tnLst>
+  </p:timing>
+</p:sld>
+</file>
+
+<file path=ppt/slides/slide8.xml><?xml version="1.0" encoding="utf-8"?>
+<p:sld xmlns:a="http://schemas.openxmlformats.org/drawingml/2006/main" xmlns:r="http://schemas.openxmlformats.org/officeDocument/2006/relationships" xmlns:p="http://schemas.openxmlformats.org/presentationml/2006/main">
+  <p:cSld>
+    <p:spTree>
+      <p:nvGrpSpPr>
+        <p:cNvPr id="1" name=""/>
+        <p:cNvGrpSpPr/>
+        <p:nvPr/>
+      </p:nvGrpSpPr>
+      <p:grpSpPr>
+        <a:xfrm>
+          <a:off x="0" y="0"/>
+          <a:ext cx="0" cy="0"/>
+          <a:chOff x="0" y="0"/>
+          <a:chExt cx="0" cy="0"/>
+        </a:xfrm>
+      </p:grpSpPr>
+      <p:sp>
+        <p:nvSpPr>
+          <p:cNvPr id="2" name="タイトル 1"/>
+          <p:cNvSpPr>
+            <a:spLocks noGrp="1"/>
+          </p:cNvSpPr>
+          <p:nvPr>
+            <p:ph type="title"/>
+          </p:nvPr>
+        </p:nvSpPr>
+        <p:spPr/>
+        <p:txBody>
+          <a:bodyPr/>
+          <a:lstStyle/>
+          <a:p>
+            <a:r>
+              <a:rPr kumimoji="1" lang="ja-JP" altLang="en-US" dirty="0" smtClean="0"/>
+              <a:t>実際の書き換え</a:t>
+            </a:r>
+            <a:endParaRPr kumimoji="1" lang="ja-JP" altLang="en-US" dirty="0"/>
+          </a:p>
+        </p:txBody>
+      </p:sp>
+      <p:sp>
+        <p:nvSpPr>
+          <p:cNvPr id="3" name="コンテンツ プレースホルダー 2"/>
+          <p:cNvSpPr>
+            <a:spLocks noGrp="1"/>
+          </p:cNvSpPr>
+          <p:nvPr>
+            <p:ph idx="1"/>
+          </p:nvPr>
+        </p:nvSpPr>
+        <p:spPr>
+          <a:xfrm>
+            <a:off x="107504" y="620689"/>
+            <a:ext cx="8928992" cy="792088"/>
+          </a:xfrm>
+        </p:spPr>
+        <p:txBody>
+          <a:bodyPr/>
+          <a:lstStyle/>
+          <a:p>
+            <a:pPr marL="0" indent="0">
+              <a:buNone/>
+            </a:pPr>
+            <a:r>
+              <a:rPr kumimoji="1" lang="en-US" altLang="ja-JP" sz="1600" dirty="0" smtClean="0"/>
+              <a:t>68</a:t>
+            </a:r>
+            <a:r>
+              <a:rPr kumimoji="1" lang="ja-JP" altLang="en-US" sz="1600" dirty="0" smtClean="0"/>
+              <a:t>行め「</a:t>
+            </a:r>
+            <a:r>
+              <a:rPr lang="en-US" altLang="ja-JP" sz="1600" dirty="0"/>
+              <a:t>&lt;!-- replace with your logo </a:t>
+            </a:r>
+            <a:r>
+              <a:rPr lang="is-IS" altLang="ja-JP" sz="1600" dirty="0" smtClean="0"/>
+              <a:t>… </a:t>
+            </a:r>
+            <a:r>
+              <a:rPr lang="en-US" altLang="ja-JP" sz="1600" dirty="0" smtClean="0"/>
+              <a:t>-</a:t>
+            </a:r>
+            <a:r>
+              <a:rPr lang="en-US" altLang="ja-JP" sz="1600" dirty="0"/>
+              <a:t>-&gt;</a:t>
+            </a:r>
+            <a:r>
+              <a:rPr kumimoji="1" lang="ja-JP" altLang="en-US" sz="1600" dirty="0" smtClean="0"/>
+              <a:t>」のあたりを書き換え</a:t>
+            </a:r>
+            <a:endParaRPr kumimoji="1" lang="ja-JP" altLang="en-US" sz="1600" dirty="0"/>
+          </a:p>
+        </p:txBody>
+      </p:sp>
+      <p:sp>
+        <p:nvSpPr>
+          <p:cNvPr id="4" name="スライド番号プレースホルダー 3"/>
+          <p:cNvSpPr>
+            <a:spLocks noGrp="1"/>
+          </p:cNvSpPr>
+          <p:nvPr>
+            <p:ph type="sldNum" sz="quarter" idx="12"/>
+          </p:nvPr>
+        </p:nvSpPr>
+        <p:spPr/>
+        <p:txBody>
+          <a:bodyPr/>
+          <a:lstStyle/>
+          <a:p>
+            <a:pPr>
+              <a:defRPr/>
+            </a:pPr>
+            <a:fld id="{7BDE7F79-B788-EF47-92C0-E4468BC66B4F}" type="slidenum">
+              <a:rPr lang="en-US" altLang="ja-JP" smtClean="0"/>
+              <a:pPr>
+                <a:defRPr/>
+              </a:pPr>
+              <a:t>8</a:t>
+            </a:fld>
+            <a:endParaRPr lang="en-US" altLang="ja-JP"/>
+          </a:p>
+        </p:txBody>
+      </p:sp>
+      <p:pic>
+        <p:nvPicPr>
+          <p:cNvPr id="5" name="図 4"/>
+          <p:cNvPicPr>
+            <a:picLocks noChangeAspect="1"/>
+          </p:cNvPicPr>
+          <p:nvPr/>
+        </p:nvPicPr>
+        <p:blipFill>
+          <a:blip r:embed="rId2"/>
+          <a:stretch>
+            <a:fillRect/>
+          </a:stretch>
+        </p:blipFill>
+        <p:spPr>
+          <a:xfrm>
+            <a:off x="179512" y="1196752"/>
+            <a:ext cx="5283200" cy="1765300"/>
+          </a:xfrm>
+          <a:prstGeom prst="rect">
+            <a:avLst/>
+          </a:prstGeom>
+        </p:spPr>
+      </p:pic>
+      <p:pic>
+        <p:nvPicPr>
+          <p:cNvPr id="6" name="図 5"/>
+          <p:cNvPicPr>
+            <a:picLocks noChangeAspect="1"/>
+          </p:cNvPicPr>
+          <p:nvPr/>
+        </p:nvPicPr>
+        <p:blipFill>
+          <a:blip r:embed="rId3"/>
+          <a:stretch>
+            <a:fillRect/>
+          </a:stretch>
+        </p:blipFill>
+        <p:spPr>
+          <a:xfrm>
+            <a:off x="323528" y="3429000"/>
+            <a:ext cx="5112568" cy="1738792"/>
+          </a:xfrm>
+          <a:prstGeom prst="rect">
+            <a:avLst/>
+          </a:prstGeom>
+        </p:spPr>
+      </p:pic>
+      <p:pic>
+        <p:nvPicPr>
+          <p:cNvPr id="7" name="図 6"/>
+          <p:cNvPicPr>
+            <a:picLocks noChangeAspect="1"/>
+          </p:cNvPicPr>
+          <p:nvPr/>
+        </p:nvPicPr>
+        <p:blipFill>
+          <a:blip r:embed="rId4"/>
+          <a:stretch>
+            <a:fillRect/>
+          </a:stretch>
+        </p:blipFill>
+        <p:spPr>
+          <a:xfrm>
+            <a:off x="5925627" y="4293096"/>
+            <a:ext cx="3207578" cy="2394992"/>
+          </a:xfrm>
+          <a:prstGeom prst="rect">
+            <a:avLst/>
+          </a:prstGeom>
+        </p:spPr>
+      </p:pic>
+    </p:spTree>
+    <p:extLst>
+      <p:ext uri="{BB962C8B-B14F-4D97-AF65-F5344CB8AC3E}">
+        <p14:creationId xmlns:p14="http://schemas.microsoft.com/office/powerpoint/2010/main" val="1585339364"/>
+      </p:ext>
+    </p:extLst>
+  </p:cSld>
+  <p:clrMapOvr>
+    <a:masterClrMapping/>
+  </p:clrMapOvr>
+</p:sld>
+</file>
+
+<file path=ppt/slides/slide9.xml><?xml version="1.0" encoding="utf-8"?>
+<p:sld xmlns:a="http://schemas.openxmlformats.org/drawingml/2006/main" xmlns:r="http://schemas.openxmlformats.org/officeDocument/2006/relationships" xmlns:p="http://schemas.openxmlformats.org/presentationml/2006/main">
+  <p:cSld>
+    <p:spTree>
+      <p:nvGrpSpPr>
+        <p:cNvPr id="1" name=""/>
+        <p:cNvGrpSpPr/>
+        <p:nvPr/>
+      </p:nvGrpSpPr>
+      <p:grpSpPr>
+        <a:xfrm>
+          <a:off x="0" y="0"/>
+          <a:ext cx="0" cy="0"/>
+          <a:chOff x="0" y="0"/>
+          <a:chExt cx="0" cy="0"/>
+        </a:xfrm>
+      </p:grpSpPr>
+      <p:sp>
+        <p:nvSpPr>
+          <p:cNvPr id="2" name="タイトル 1"/>
+          <p:cNvSpPr>
+            <a:spLocks noGrp="1"/>
+          </p:cNvSpPr>
+          <p:nvPr>
+            <p:ph type="title"/>
+          </p:nvPr>
+        </p:nvSpPr>
+        <p:spPr/>
+        <p:txBody>
+          <a:bodyPr/>
+          <a:lstStyle/>
+          <a:p>
+            <a:r>
+              <a:rPr kumimoji="1" lang="ja-JP" altLang="en-US" dirty="0" smtClean="0"/>
+              <a:t>同様に</a:t>
+            </a:r>
+            <a:r>
+              <a:rPr kumimoji="1" lang="en-US" altLang="ja-JP" dirty="0" smtClean="0"/>
+              <a:t> </a:t>
+            </a:r>
+            <a:r>
+              <a:rPr kumimoji="1" lang="en-US" altLang="ja-JP" dirty="0" err="1" smtClean="0"/>
+              <a:t>css</a:t>
+            </a:r>
+            <a:r>
+              <a:rPr kumimoji="1" lang="en-US" altLang="ja-JP" dirty="0" smtClean="0"/>
+              <a:t>/</a:t>
+            </a:r>
+            <a:r>
+              <a:rPr kumimoji="1" lang="en-US" altLang="ja-JP" dirty="0" err="1" smtClean="0"/>
+              <a:t>gsimaps.css</a:t>
+            </a:r>
+            <a:r>
+              <a:rPr kumimoji="1" lang="en-US" altLang="ja-JP" dirty="0" smtClean="0"/>
+              <a:t> </a:t>
+            </a:r>
+            <a:r>
+              <a:rPr kumimoji="1" lang="ja-JP" altLang="en-US" dirty="0" smtClean="0"/>
+              <a:t>に加筆</a:t>
+            </a:r>
+            <a:endParaRPr kumimoji="1" lang="ja-JP" altLang="en-US" dirty="0"/>
+          </a:p>
+        </p:txBody>
+      </p:sp>
+      <p:sp>
+        <p:nvSpPr>
+          <p:cNvPr id="3" name="コンテンツ プレースホルダー 2"/>
+          <p:cNvSpPr>
+            <a:spLocks noGrp="1"/>
+          </p:cNvSpPr>
+          <p:nvPr>
+            <p:ph idx="1"/>
+          </p:nvPr>
+        </p:nvSpPr>
+        <p:spPr>
+          <a:xfrm>
+            <a:off x="395536" y="692696"/>
+            <a:ext cx="8229600" cy="532656"/>
+          </a:xfrm>
+        </p:spPr>
+        <p:txBody>
+          <a:bodyPr/>
+          <a:lstStyle/>
+          <a:p>
+            <a:r>
+              <a:rPr kumimoji="1" lang="ja-JP" altLang="en-US" dirty="0" smtClean="0"/>
+              <a:t>あああ</a:t>
+            </a:r>
+            <a:endParaRPr kumimoji="1" lang="ja-JP" altLang="en-US" dirty="0"/>
+          </a:p>
+        </p:txBody>
+      </p:sp>
+      <p:sp>
+        <p:nvSpPr>
+          <p:cNvPr id="4" name="スライド番号プレースホルダー 3"/>
+          <p:cNvSpPr>
+            <a:spLocks noGrp="1"/>
+          </p:cNvSpPr>
+          <p:nvPr>
+            <p:ph type="sldNum" sz="quarter" idx="12"/>
+          </p:nvPr>
+        </p:nvSpPr>
+        <p:spPr/>
+        <p:txBody>
+          <a:bodyPr/>
+          <a:lstStyle/>
+          <a:p>
+            <a:pPr>
+              <a:defRPr/>
+            </a:pPr>
+            <a:fld id="{7BDE7F79-B788-EF47-92C0-E4468BC66B4F}" type="slidenum">
+              <a:rPr lang="en-US" altLang="ja-JP" smtClean="0"/>
+              <a:pPr>
+                <a:defRPr/>
+              </a:pPr>
+              <a:t>9</a:t>
+            </a:fld>
+            <a:endParaRPr lang="en-US" altLang="ja-JP"/>
+          </a:p>
+        </p:txBody>
+      </p:sp>
+    </p:spTree>
+    <p:extLst>
+      <p:ext uri="{BB962C8B-B14F-4D97-AF65-F5344CB8AC3E}">
+        <p14:creationId xmlns:p14="http://schemas.microsoft.com/office/powerpoint/2010/main" val="2813690327"/>
+      </p:ext>
+    </p:extLst>
+  </p:cSld>
+  <p:clrMapOvr>
+    <a:masterClrMapping/>
+  </p:clrMapOvr>
 </p:sld>
 </file>
 
